--- a/Milestone/WorkGroup.pptx
+++ b/Milestone/WorkGroup.pptx
@@ -250,7 +250,7 @@
           <a:p>
             <a:fld id="{0BAB0719-0C0B-4FCD-8C42-A758D216E1BD}" type="datetimeFigureOut">
               <a:rPr lang="en-US" smtClean="0"/>
-              <a:t>5/25/2022</a:t>
+              <a:t>5/27/2022</a:t>
             </a:fld>
             <a:endParaRPr lang="en-US" dirty="0"/>
           </a:p>
@@ -428,7 +428,7 @@
             <a:fld id="{925A17EF-115B-4BB9-BF42-426DFD9E898A}" type="datetimeFigureOut">
               <a:rPr lang="en-US" smtClean="0"/>
               <a:pPr/>
-              <a:t>5/25/2022</a:t>
+              <a:t>5/27/2022</a:t>
             </a:fld>
             <a:endParaRPr lang="en-US" dirty="0"/>
           </a:p>
@@ -3214,7 +3214,7 @@
             <a:fld id="{A2E209FB-7A34-414B-812A-BCC5C4256F49}" type="datetime1">
               <a:rPr lang="en-US" smtClean="0"/>
               <a:pPr algn="r"/>
-              <a:t>5/25/2022</a:t>
+              <a:t>5/27/2022</a:t>
             </a:fld>
             <a:endParaRPr lang="en-US" sz="1000" dirty="0"/>
           </a:p>
@@ -18081,6 +18081,138 @@
                 <a:latin typeface="+mj-lt"/>
                 <a:ea typeface="Times New Roman" panose="02020603050405020304" pitchFamily="18" charset="0"/>
               </a:rPr>
+              <a:t>tính</a:t>
+            </a:r>
+            <a:r>
+              <a:rPr lang="en-US" sz="2200" dirty="0">
+                <a:solidFill>
+                  <a:srgbClr val="000000"/>
+                </a:solidFill>
+                <a:effectLst/>
+                <a:latin typeface="+mj-lt"/>
+                <a:ea typeface="Times New Roman" panose="02020603050405020304" pitchFamily="18" charset="0"/>
+              </a:rPr>
+              <a:t> </a:t>
+            </a:r>
+            <a:r>
+              <a:rPr lang="en-US" sz="2200" dirty="0" err="1">
+                <a:solidFill>
+                  <a:srgbClr val="000000"/>
+                </a:solidFill>
+                <a:effectLst/>
+                <a:latin typeface="+mj-lt"/>
+                <a:ea typeface="Times New Roman" panose="02020603050405020304" pitchFamily="18" charset="0"/>
+              </a:rPr>
+              <a:t>toán</a:t>
+            </a:r>
+            <a:r>
+              <a:rPr lang="en-US" sz="2200" dirty="0">
+                <a:solidFill>
+                  <a:srgbClr val="000000"/>
+                </a:solidFill>
+                <a:effectLst/>
+                <a:latin typeface="+mj-lt"/>
+                <a:ea typeface="Times New Roman" panose="02020603050405020304" pitchFamily="18" charset="0"/>
+              </a:rPr>
+              <a:t> </a:t>
+            </a:r>
+            <a:r>
+              <a:rPr lang="en-US" sz="2200" dirty="0" err="1">
+                <a:solidFill>
+                  <a:srgbClr val="000000"/>
+                </a:solidFill>
+                <a:effectLst/>
+                <a:latin typeface="+mj-lt"/>
+                <a:ea typeface="Times New Roman" panose="02020603050405020304" pitchFamily="18" charset="0"/>
+              </a:rPr>
+              <a:t>tỉ</a:t>
+            </a:r>
+            <a:r>
+              <a:rPr lang="en-US" sz="2200" dirty="0">
+                <a:solidFill>
+                  <a:srgbClr val="000000"/>
+                </a:solidFill>
+                <a:effectLst/>
+                <a:latin typeface="+mj-lt"/>
+                <a:ea typeface="Times New Roman" panose="02020603050405020304" pitchFamily="18" charset="0"/>
+              </a:rPr>
+              <a:t> </a:t>
+            </a:r>
+            <a:r>
+              <a:rPr lang="en-US" sz="2200" dirty="0" err="1">
+                <a:solidFill>
+                  <a:srgbClr val="000000"/>
+                </a:solidFill>
+                <a:effectLst/>
+                <a:latin typeface="+mj-lt"/>
+                <a:ea typeface="Times New Roman" panose="02020603050405020304" pitchFamily="18" charset="0"/>
+              </a:rPr>
+              <a:t>lệ</a:t>
+            </a:r>
+            <a:r>
+              <a:rPr lang="en-US" sz="2200" dirty="0">
+                <a:solidFill>
+                  <a:srgbClr val="000000"/>
+                </a:solidFill>
+                <a:effectLst/>
+                <a:latin typeface="+mj-lt"/>
+                <a:ea typeface="Times New Roman" panose="02020603050405020304" pitchFamily="18" charset="0"/>
+              </a:rPr>
+              <a:t> </a:t>
+            </a:r>
+            <a:r>
+              <a:rPr lang="en-US" sz="2200" dirty="0" err="1">
+                <a:solidFill>
+                  <a:srgbClr val="000000"/>
+                </a:solidFill>
+                <a:effectLst/>
+                <a:latin typeface="+mj-lt"/>
+                <a:ea typeface="Times New Roman" panose="02020603050405020304" pitchFamily="18" charset="0"/>
+              </a:rPr>
+              <a:t>tử</a:t>
+            </a:r>
+            <a:r>
+              <a:rPr lang="en-US" sz="2200" dirty="0">
+                <a:solidFill>
+                  <a:srgbClr val="000000"/>
+                </a:solidFill>
+                <a:effectLst/>
+                <a:latin typeface="+mj-lt"/>
+                <a:ea typeface="Times New Roman" panose="02020603050405020304" pitchFamily="18" charset="0"/>
+              </a:rPr>
+              <a:t> </a:t>
+            </a:r>
+            <a:r>
+              <a:rPr lang="en-US" sz="2200" dirty="0" err="1">
+                <a:solidFill>
+                  <a:srgbClr val="000000"/>
+                </a:solidFill>
+                <a:effectLst/>
+                <a:latin typeface="+mj-lt"/>
+                <a:ea typeface="Times New Roman" panose="02020603050405020304" pitchFamily="18" charset="0"/>
+              </a:rPr>
+              <a:t>vong</a:t>
+            </a:r>
+            <a:r>
+              <a:rPr lang="en-US" sz="2200" dirty="0">
+                <a:solidFill>
+                  <a:srgbClr val="000000"/>
+                </a:solidFill>
+                <a:effectLst/>
+                <a:latin typeface="+mj-lt"/>
+                <a:ea typeface="Times New Roman" panose="02020603050405020304" pitchFamily="18" charset="0"/>
+              </a:rPr>
+              <a:t>, </a:t>
+            </a:r>
+            <a:r>
+              <a:rPr lang="en-US" sz="2200" dirty="0" err="1">
+                <a:solidFill>
+                  <a:srgbClr val="000000"/>
+                </a:solidFill>
+                <a:effectLst/>
+                <a:latin typeface="+mj-lt"/>
+                <a:ea typeface="Times New Roman" panose="02020603050405020304" pitchFamily="18" charset="0"/>
+              </a:rPr>
               <a:t>vẽ</a:t>
             </a:r>
             <a:r>
@@ -18136,28 +18268,6 @@
                 <a:latin typeface="+mj-lt"/>
                 <a:ea typeface="Times New Roman" panose="02020603050405020304" pitchFamily="18" charset="0"/>
               </a:rPr>
-              <a:t> </a:t>
-            </a:r>
-            <a:r>
-              <a:rPr lang="en-US" sz="2200" dirty="0" err="1">
-                <a:solidFill>
-                  <a:srgbClr val="000000"/>
-                </a:solidFill>
-                <a:effectLst/>
-                <a:latin typeface="+mj-lt"/>
-                <a:ea typeface="Times New Roman" panose="02020603050405020304" pitchFamily="18" charset="0"/>
-              </a:rPr>
-              <a:t>đôi</a:t>
-            </a:r>
-            <a:r>
-              <a:rPr lang="en-US" sz="2200" dirty="0">
-                <a:solidFill>
-                  <a:srgbClr val="000000"/>
-                </a:solidFill>
-                <a:effectLst/>
-                <a:latin typeface="+mj-lt"/>
-                <a:ea typeface="Times New Roman" panose="02020603050405020304" pitchFamily="18" charset="0"/>
-              </a:rPr>
               <a:t> so </a:t>
             </a:r>
             <a:r>
@@ -18191,414 +18301,281 @@
                 <a:latin typeface="+mj-lt"/>
                 <a:ea typeface="Times New Roman" panose="02020603050405020304" pitchFamily="18" charset="0"/>
               </a:rPr>
-              <a:t>số</a:t>
-            </a:r>
-            <a:r>
-              <a:rPr lang="en-US" sz="2200" dirty="0">
-                <a:solidFill>
-                  <a:srgbClr val="000000"/>
-                </a:solidFill>
-                <a:effectLst/>
-                <a:latin typeface="+mj-lt"/>
-                <a:ea typeface="Times New Roman" panose="02020603050405020304" pitchFamily="18" charset="0"/>
-              </a:rPr>
-              <a:t> ca </a:t>
-            </a:r>
-            <a:r>
-              <a:rPr lang="en-US" sz="2200" dirty="0" err="1">
-                <a:solidFill>
-                  <a:srgbClr val="000000"/>
-                </a:solidFill>
-                <a:effectLst/>
-                <a:latin typeface="+mj-lt"/>
-                <a:ea typeface="Times New Roman" panose="02020603050405020304" pitchFamily="18" charset="0"/>
-              </a:rPr>
-              <a:t>mắc</a:t>
-            </a:r>
-            <a:r>
-              <a:rPr lang="en-US" sz="2200" dirty="0">
-                <a:solidFill>
-                  <a:srgbClr val="000000"/>
-                </a:solidFill>
-                <a:effectLst/>
+              <a:t>tỉ</a:t>
+            </a:r>
+            <a:r>
+              <a:rPr lang="en-US" sz="2200" dirty="0">
+                <a:solidFill>
+                  <a:srgbClr val="000000"/>
+                </a:solidFill>
+                <a:effectLst/>
+                <a:latin typeface="+mj-lt"/>
+                <a:ea typeface="Times New Roman" panose="02020603050405020304" pitchFamily="18" charset="0"/>
+              </a:rPr>
+              <a:t> </a:t>
+            </a:r>
+            <a:r>
+              <a:rPr lang="en-US" sz="2200" dirty="0" err="1">
+                <a:solidFill>
+                  <a:srgbClr val="000000"/>
+                </a:solidFill>
+                <a:effectLst/>
+                <a:latin typeface="+mj-lt"/>
+                <a:ea typeface="Times New Roman" panose="02020603050405020304" pitchFamily="18" charset="0"/>
+              </a:rPr>
+              <a:t>lệ</a:t>
+            </a:r>
+            <a:r>
+              <a:rPr lang="en-US" sz="2200" dirty="0">
+                <a:solidFill>
+                  <a:srgbClr val="000000"/>
+                </a:solidFill>
+                <a:effectLst/>
+                <a:latin typeface="+mj-lt"/>
+                <a:ea typeface="Times New Roman" panose="02020603050405020304" pitchFamily="18" charset="0"/>
+              </a:rPr>
+              <a:t> </a:t>
+            </a:r>
+            <a:r>
+              <a:rPr lang="en-US" sz="2200" dirty="0" err="1">
+                <a:solidFill>
+                  <a:srgbClr val="000000"/>
+                </a:solidFill>
+                <a:effectLst/>
+                <a:latin typeface="+mj-lt"/>
+                <a:ea typeface="Times New Roman" panose="02020603050405020304" pitchFamily="18" charset="0"/>
+              </a:rPr>
+              <a:t>tử</a:t>
+            </a:r>
+            <a:r>
+              <a:rPr lang="en-US" sz="2200" dirty="0">
+                <a:solidFill>
+                  <a:srgbClr val="000000"/>
+                </a:solidFill>
+                <a:effectLst/>
+                <a:latin typeface="+mj-lt"/>
+                <a:ea typeface="Times New Roman" panose="02020603050405020304" pitchFamily="18" charset="0"/>
+              </a:rPr>
+              <a:t> </a:t>
+            </a:r>
+            <a:r>
+              <a:rPr lang="en-US" sz="2200" dirty="0" err="1">
+                <a:solidFill>
+                  <a:srgbClr val="000000"/>
+                </a:solidFill>
+                <a:effectLst/>
+                <a:latin typeface="+mj-lt"/>
+                <a:ea typeface="Times New Roman" panose="02020603050405020304" pitchFamily="18" charset="0"/>
+              </a:rPr>
+              <a:t>vong</a:t>
+            </a:r>
+            <a:r>
+              <a:rPr lang="en-US" sz="2200" dirty="0">
+                <a:solidFill>
+                  <a:srgbClr val="000000"/>
+                </a:solidFill>
+                <a:effectLst/>
+                <a:latin typeface="+mj-lt"/>
+                <a:ea typeface="Times New Roman" panose="02020603050405020304" pitchFamily="18" charset="0"/>
+              </a:rPr>
+              <a:t> </a:t>
+            </a:r>
+            <a:r>
+              <a:rPr lang="en-US" sz="2200" dirty="0" err="1">
+                <a:solidFill>
+                  <a:srgbClr val="000000"/>
+                </a:solidFill>
+                <a:effectLst/>
+                <a:latin typeface="+mj-lt"/>
+                <a:ea typeface="Times New Roman" panose="02020603050405020304" pitchFamily="18" charset="0"/>
+              </a:rPr>
+              <a:t>đó</a:t>
+            </a:r>
+            <a:r>
+              <a:rPr lang="en-US" sz="2200" dirty="0">
+                <a:solidFill>
+                  <a:srgbClr val="000000"/>
+                </a:solidFill>
+                <a:effectLst/>
+                <a:latin typeface="+mj-lt"/>
+                <a:ea typeface="Times New Roman" panose="02020603050405020304" pitchFamily="18" charset="0"/>
+              </a:rPr>
+              <a:t> </a:t>
+            </a:r>
+            <a:r>
+              <a:rPr lang="en-US" sz="2200" dirty="0" err="1">
+                <a:solidFill>
+                  <a:srgbClr val="000000"/>
+                </a:solidFill>
+                <a:effectLst/>
+                <a:latin typeface="+mj-lt"/>
+                <a:ea typeface="Times New Roman" panose="02020603050405020304" pitchFamily="18" charset="0"/>
+              </a:rPr>
+              <a:t>của</a:t>
+            </a:r>
+            <a:r>
+              <a:rPr lang="en-US" sz="2200" dirty="0">
+                <a:solidFill>
+                  <a:srgbClr val="000000"/>
+                </a:solidFill>
+                <a:effectLst/>
+                <a:latin typeface="+mj-lt"/>
+                <a:ea typeface="Times New Roman" panose="02020603050405020304" pitchFamily="18" charset="0"/>
+              </a:rPr>
+              <a:t> </a:t>
+            </a:r>
+            <a:r>
+              <a:rPr lang="en-US" sz="2200" dirty="0" err="1">
+                <a:solidFill>
+                  <a:srgbClr val="000000"/>
+                </a:solidFill>
+                <a:effectLst/>
+                <a:latin typeface="+mj-lt"/>
+                <a:ea typeface="Times New Roman" panose="02020603050405020304" pitchFamily="18" charset="0"/>
+              </a:rPr>
+              <a:t>từng</a:t>
+            </a:r>
+            <a:r>
+              <a:rPr lang="en-US" sz="2200" dirty="0">
+                <a:solidFill>
+                  <a:srgbClr val="000000"/>
+                </a:solidFill>
+                <a:effectLst/>
+                <a:latin typeface="+mj-lt"/>
+                <a:ea typeface="Times New Roman" panose="02020603050405020304" pitchFamily="18" charset="0"/>
+              </a:rPr>
+              <a:t> </a:t>
+            </a:r>
+            <a:r>
+              <a:rPr lang="en-US" sz="2200" dirty="0" err="1">
+                <a:solidFill>
+                  <a:srgbClr val="000000"/>
+                </a:solidFill>
+                <a:effectLst/>
+                <a:latin typeface="+mj-lt"/>
+                <a:ea typeface="Times New Roman" panose="02020603050405020304" pitchFamily="18" charset="0"/>
+              </a:rPr>
+              <a:t>châu</a:t>
+            </a:r>
+            <a:r>
+              <a:rPr lang="en-US" sz="2200" dirty="0">
+                <a:solidFill>
+                  <a:srgbClr val="000000"/>
+                </a:solidFill>
+                <a:effectLst/>
+                <a:latin typeface="+mj-lt"/>
+                <a:ea typeface="Times New Roman" panose="02020603050405020304" pitchFamily="18" charset="0"/>
+              </a:rPr>
+              <a:t> </a:t>
+            </a:r>
+            <a:r>
+              <a:rPr lang="en-US" sz="2200" dirty="0" err="1">
+                <a:solidFill>
+                  <a:srgbClr val="000000"/>
+                </a:solidFill>
+                <a:effectLst/>
+                <a:latin typeface="+mj-lt"/>
+                <a:ea typeface="Times New Roman" panose="02020603050405020304" pitchFamily="18" charset="0"/>
+              </a:rPr>
+              <a:t>lục</a:t>
+            </a:r>
+            <a:r>
+              <a:rPr lang="en-US" sz="2200" dirty="0">
+                <a:solidFill>
+                  <a:srgbClr val="000000"/>
+                </a:solidFill>
+                <a:effectLst/>
+                <a:latin typeface="+mj-lt"/>
+                <a:ea typeface="Times New Roman" panose="02020603050405020304" pitchFamily="18" charset="0"/>
+              </a:rPr>
+              <a:t> </a:t>
+            </a:r>
+            <a:r>
+              <a:rPr lang="en-US" sz="2200" dirty="0" err="1">
+                <a:solidFill>
+                  <a:srgbClr val="000000"/>
+                </a:solidFill>
+                <a:effectLst/>
+                <a:latin typeface="+mj-lt"/>
+                <a:ea typeface="Times New Roman" panose="02020603050405020304" pitchFamily="18" charset="0"/>
+              </a:rPr>
+              <a:t>giữa</a:t>
+            </a:r>
+            <a:r>
+              <a:rPr lang="en-US" sz="2200" dirty="0">
+                <a:solidFill>
+                  <a:srgbClr val="000000"/>
+                </a:solidFill>
+                <a:effectLst/>
+                <a:latin typeface="+mj-lt"/>
+                <a:ea typeface="Times New Roman" panose="02020603050405020304" pitchFamily="18" charset="0"/>
+              </a:rPr>
+              <a:t> </a:t>
+            </a:r>
+            <a:r>
+              <a:rPr lang="en-US" sz="2200" dirty="0" err="1">
+                <a:solidFill>
+                  <a:srgbClr val="000000"/>
+                </a:solidFill>
+                <a:effectLst/>
+                <a:latin typeface="+mj-lt"/>
+                <a:ea typeface="Times New Roman" panose="02020603050405020304" pitchFamily="18" charset="0"/>
+              </a:rPr>
+              <a:t>hai</a:t>
+            </a:r>
+            <a:r>
+              <a:rPr lang="en-US" sz="2200" dirty="0">
+                <a:solidFill>
+                  <a:srgbClr val="000000"/>
+                </a:solidFill>
+                <a:effectLst/>
+                <a:latin typeface="+mj-lt"/>
+                <a:ea typeface="Times New Roman" panose="02020603050405020304" pitchFamily="18" charset="0"/>
+              </a:rPr>
+              <a:t> </a:t>
+            </a:r>
+            <a:r>
+              <a:rPr lang="en-US" sz="2200" dirty="0" err="1">
+                <a:solidFill>
+                  <a:srgbClr val="000000"/>
+                </a:solidFill>
+                <a:effectLst/>
+                <a:latin typeface="+mj-lt"/>
+                <a:ea typeface="Times New Roman" panose="02020603050405020304" pitchFamily="18" charset="0"/>
+              </a:rPr>
+              <a:t>thời</a:t>
+            </a:r>
+            <a:r>
+              <a:rPr lang="en-US" sz="2200" dirty="0">
+                <a:solidFill>
+                  <a:srgbClr val="000000"/>
+                </a:solidFill>
+                <a:effectLst/>
+                <a:latin typeface="+mj-lt"/>
+                <a:ea typeface="Times New Roman" panose="02020603050405020304" pitchFamily="18" charset="0"/>
+              </a:rPr>
+              <a:t> </a:t>
+            </a:r>
+            <a:r>
+              <a:rPr lang="en-US" sz="2200" dirty="0" err="1">
+                <a:solidFill>
+                  <a:srgbClr val="000000"/>
+                </a:solidFill>
+                <a:effectLst/>
+                <a:latin typeface="+mj-lt"/>
+                <a:ea typeface="Times New Roman" panose="02020603050405020304" pitchFamily="18" charset="0"/>
+              </a:rPr>
+              <a:t>điểm</a:t>
+            </a:r>
+            <a:r>
+              <a:rPr lang="en-US" sz="2200" dirty="0">
+                <a:solidFill>
+                  <a:srgbClr val="000000"/>
+                </a:solidFill>
                 <a:latin typeface="+mj-lt"/>
                 <a:ea typeface="Times New Roman" panose="02020603050405020304" pitchFamily="18" charset="0"/>
               </a:rPr>
               <a:t>, </a:t>
-            </a:r>
-            <a:r>
-              <a:rPr lang="en-US" sz="2200" dirty="0" err="1">
-                <a:solidFill>
-                  <a:srgbClr val="000000"/>
-                </a:solidFill>
-                <a:effectLst/>
-                <a:latin typeface="+mj-lt"/>
-                <a:ea typeface="Times New Roman" panose="02020603050405020304" pitchFamily="18" charset="0"/>
-              </a:rPr>
-              <a:t>tử</a:t>
-            </a:r>
-            <a:r>
-              <a:rPr lang="en-US" sz="2200" dirty="0">
-                <a:solidFill>
-                  <a:srgbClr val="000000"/>
-                </a:solidFill>
-                <a:effectLst/>
-                <a:latin typeface="+mj-lt"/>
-                <a:ea typeface="Times New Roman" panose="02020603050405020304" pitchFamily="18" charset="0"/>
-              </a:rPr>
-              <a:t> </a:t>
-            </a:r>
-            <a:r>
-              <a:rPr lang="en-US" sz="2200" dirty="0" err="1">
-                <a:solidFill>
-                  <a:srgbClr val="000000"/>
-                </a:solidFill>
-                <a:effectLst/>
-                <a:latin typeface="+mj-lt"/>
-                <a:ea typeface="Times New Roman" panose="02020603050405020304" pitchFamily="18" charset="0"/>
-              </a:rPr>
-              <a:t>vong</a:t>
-            </a:r>
-            <a:r>
-              <a:rPr lang="en-US" sz="2200" dirty="0">
-                <a:solidFill>
-                  <a:srgbClr val="000000"/>
-                </a:solidFill>
-                <a:effectLst/>
-                <a:latin typeface="+mj-lt"/>
-                <a:ea typeface="Times New Roman" panose="02020603050405020304" pitchFamily="18" charset="0"/>
-              </a:rPr>
-              <a:t>  </a:t>
-            </a:r>
-            <a:r>
-              <a:rPr lang="en-US" sz="2200" dirty="0" err="1">
-                <a:solidFill>
-                  <a:srgbClr val="000000"/>
-                </a:solidFill>
-                <a:effectLst/>
-                <a:latin typeface="+mj-lt"/>
-                <a:ea typeface="Times New Roman" panose="02020603050405020304" pitchFamily="18" charset="0"/>
-              </a:rPr>
-              <a:t>của</a:t>
-            </a:r>
-            <a:r>
-              <a:rPr lang="en-US" sz="2200" dirty="0">
-                <a:solidFill>
-                  <a:srgbClr val="000000"/>
-                </a:solidFill>
-                <a:effectLst/>
-                <a:latin typeface="+mj-lt"/>
-                <a:ea typeface="Times New Roman" panose="02020603050405020304" pitchFamily="18" charset="0"/>
-              </a:rPr>
-              <a:t> </a:t>
-            </a:r>
-            <a:r>
-              <a:rPr lang="en-US" sz="2200" dirty="0" err="1">
-                <a:solidFill>
-                  <a:srgbClr val="000000"/>
-                </a:solidFill>
-                <a:effectLst/>
-                <a:latin typeface="+mj-lt"/>
-                <a:ea typeface="Times New Roman" panose="02020603050405020304" pitchFamily="18" charset="0"/>
-              </a:rPr>
-              <a:t>từng</a:t>
-            </a:r>
-            <a:r>
-              <a:rPr lang="en-US" sz="2200" dirty="0">
-                <a:solidFill>
-                  <a:srgbClr val="000000"/>
-                </a:solidFill>
-                <a:effectLst/>
-                <a:latin typeface="+mj-lt"/>
-                <a:ea typeface="Times New Roman" panose="02020603050405020304" pitchFamily="18" charset="0"/>
-              </a:rPr>
-              <a:t> </a:t>
-            </a:r>
-            <a:r>
-              <a:rPr lang="en-US" sz="2200" dirty="0" err="1">
-                <a:solidFill>
-                  <a:srgbClr val="000000"/>
-                </a:solidFill>
-                <a:effectLst/>
-                <a:latin typeface="+mj-lt"/>
-                <a:ea typeface="Times New Roman" panose="02020603050405020304" pitchFamily="18" charset="0"/>
-              </a:rPr>
-              <a:t>châu</a:t>
-            </a:r>
-            <a:r>
-              <a:rPr lang="en-US" sz="2200" dirty="0">
-                <a:solidFill>
-                  <a:srgbClr val="000000"/>
-                </a:solidFill>
-                <a:effectLst/>
-                <a:latin typeface="+mj-lt"/>
-                <a:ea typeface="Times New Roman" panose="02020603050405020304" pitchFamily="18" charset="0"/>
-              </a:rPr>
-              <a:t> </a:t>
-            </a:r>
-            <a:r>
-              <a:rPr lang="en-US" sz="2200" dirty="0" err="1">
-                <a:solidFill>
-                  <a:srgbClr val="000000"/>
-                </a:solidFill>
-                <a:effectLst/>
-                <a:latin typeface="+mj-lt"/>
-                <a:ea typeface="Times New Roman" panose="02020603050405020304" pitchFamily="18" charset="0"/>
-              </a:rPr>
-              <a:t>lục</a:t>
-            </a:r>
-            <a:r>
-              <a:rPr lang="en-US" sz="2200" dirty="0">
-                <a:solidFill>
-                  <a:srgbClr val="000000"/>
-                </a:solidFill>
-                <a:effectLst/>
-                <a:latin typeface="+mj-lt"/>
-                <a:ea typeface="Times New Roman" panose="02020603050405020304" pitchFamily="18" charset="0"/>
-              </a:rPr>
-              <a:t> </a:t>
-            </a:r>
-            <a:r>
-              <a:rPr lang="en-US" sz="2200" dirty="0" err="1">
-                <a:solidFill>
-                  <a:srgbClr val="000000"/>
-                </a:solidFill>
-                <a:effectLst/>
-                <a:latin typeface="+mj-lt"/>
-                <a:ea typeface="Times New Roman" panose="02020603050405020304" pitchFamily="18" charset="0"/>
-              </a:rPr>
-              <a:t>giữa</a:t>
-            </a:r>
-            <a:r>
-              <a:rPr lang="en-US" sz="2200" dirty="0">
-                <a:solidFill>
-                  <a:srgbClr val="000000"/>
-                </a:solidFill>
-                <a:effectLst/>
-                <a:latin typeface="+mj-lt"/>
-                <a:ea typeface="Times New Roman" panose="02020603050405020304" pitchFamily="18" charset="0"/>
-              </a:rPr>
-              <a:t> </a:t>
-            </a:r>
-            <a:r>
-              <a:rPr lang="en-US" sz="2200" dirty="0" err="1">
-                <a:solidFill>
-                  <a:srgbClr val="000000"/>
-                </a:solidFill>
-                <a:effectLst/>
-                <a:latin typeface="+mj-lt"/>
-                <a:ea typeface="Times New Roman" panose="02020603050405020304" pitchFamily="18" charset="0"/>
-              </a:rPr>
-              <a:t>hai</a:t>
-            </a:r>
-            <a:r>
-              <a:rPr lang="en-US" sz="2200" dirty="0">
-                <a:solidFill>
-                  <a:srgbClr val="000000"/>
-                </a:solidFill>
-                <a:effectLst/>
-                <a:latin typeface="+mj-lt"/>
-                <a:ea typeface="Times New Roman" panose="02020603050405020304" pitchFamily="18" charset="0"/>
-              </a:rPr>
-              <a:t> </a:t>
-            </a:r>
-            <a:r>
-              <a:rPr lang="en-US" sz="2200" dirty="0" err="1">
-                <a:solidFill>
-                  <a:srgbClr val="000000"/>
-                </a:solidFill>
-                <a:effectLst/>
-                <a:latin typeface="+mj-lt"/>
-                <a:ea typeface="Times New Roman" panose="02020603050405020304" pitchFamily="18" charset="0"/>
-              </a:rPr>
-              <a:t>thời</a:t>
-            </a:r>
-            <a:r>
-              <a:rPr lang="en-US" sz="2200" dirty="0">
-                <a:solidFill>
-                  <a:srgbClr val="000000"/>
-                </a:solidFill>
-                <a:effectLst/>
-                <a:latin typeface="+mj-lt"/>
-                <a:ea typeface="Times New Roman" panose="02020603050405020304" pitchFamily="18" charset="0"/>
-              </a:rPr>
-              <a:t> </a:t>
-            </a:r>
-            <a:r>
-              <a:rPr lang="en-US" sz="2200" dirty="0" err="1">
-                <a:solidFill>
-                  <a:srgbClr val="000000"/>
-                </a:solidFill>
-                <a:effectLst/>
-                <a:latin typeface="+mj-lt"/>
-                <a:ea typeface="Times New Roman" panose="02020603050405020304" pitchFamily="18" charset="0"/>
-              </a:rPr>
-              <a:t>điểm</a:t>
-            </a:r>
-            <a:r>
-              <a:rPr lang="en-US" sz="2200" dirty="0">
-                <a:solidFill>
-                  <a:srgbClr val="000000"/>
-                </a:solidFill>
-                <a:effectLst/>
-                <a:latin typeface="+mj-lt"/>
-                <a:ea typeface="Times New Roman" panose="02020603050405020304" pitchFamily="18" charset="0"/>
-              </a:rPr>
-              <a:t> </a:t>
-            </a:r>
-            <a:r>
-              <a:rPr lang="en-US" sz="2200" dirty="0" err="1">
-                <a:solidFill>
-                  <a:srgbClr val="000000"/>
-                </a:solidFill>
-                <a:effectLst/>
-                <a:latin typeface="+mj-lt"/>
-                <a:ea typeface="Times New Roman" panose="02020603050405020304" pitchFamily="18" charset="0"/>
-              </a:rPr>
-              <a:t>đó</a:t>
-            </a:r>
-            <a:r>
-              <a:rPr lang="en-US" sz="2200" dirty="0">
-                <a:solidFill>
-                  <a:srgbClr val="000000"/>
-                </a:solidFill>
-                <a:effectLst/>
-                <a:latin typeface="+mj-lt"/>
-                <a:ea typeface="Times New Roman" panose="02020603050405020304" pitchFamily="18" charset="0"/>
-              </a:rPr>
-              <a:t>, </a:t>
-            </a:r>
-            <a:r>
-              <a:rPr lang="en-US" sz="2200" dirty="0" err="1">
-                <a:solidFill>
-                  <a:srgbClr val="000000"/>
-                </a:solidFill>
-                <a:effectLst/>
-                <a:latin typeface="+mj-lt"/>
-                <a:ea typeface="Times New Roman" panose="02020603050405020304" pitchFamily="18" charset="0"/>
-              </a:rPr>
-              <a:t>tính</a:t>
-            </a:r>
-            <a:r>
-              <a:rPr lang="en-US" sz="2200" dirty="0">
-                <a:solidFill>
-                  <a:srgbClr val="000000"/>
-                </a:solidFill>
-                <a:effectLst/>
-                <a:latin typeface="+mj-lt"/>
-                <a:ea typeface="Times New Roman" panose="02020603050405020304" pitchFamily="18" charset="0"/>
-              </a:rPr>
-              <a:t> </a:t>
-            </a:r>
-            <a:r>
-              <a:rPr lang="en-US" sz="2200" dirty="0" err="1">
-                <a:solidFill>
-                  <a:srgbClr val="000000"/>
-                </a:solidFill>
-                <a:effectLst/>
-                <a:latin typeface="+mj-lt"/>
-                <a:ea typeface="Times New Roman" panose="02020603050405020304" pitchFamily="18" charset="0"/>
-              </a:rPr>
-              <a:t>toán</a:t>
-            </a:r>
-            <a:r>
-              <a:rPr lang="en-US" sz="2200" dirty="0">
-                <a:solidFill>
-                  <a:srgbClr val="000000"/>
-                </a:solidFill>
-                <a:effectLst/>
-                <a:latin typeface="+mj-lt"/>
-                <a:ea typeface="Times New Roman" panose="02020603050405020304" pitchFamily="18" charset="0"/>
-              </a:rPr>
-              <a:t> </a:t>
-            </a:r>
-            <a:r>
-              <a:rPr lang="en-US" sz="2200" dirty="0" err="1">
-                <a:solidFill>
-                  <a:srgbClr val="000000"/>
-                </a:solidFill>
-                <a:effectLst/>
-                <a:latin typeface="+mj-lt"/>
-                <a:ea typeface="Times New Roman" panose="02020603050405020304" pitchFamily="18" charset="0"/>
-              </a:rPr>
-              <a:t>tỉ</a:t>
-            </a:r>
-            <a:r>
-              <a:rPr lang="en-US" sz="2200" dirty="0">
-                <a:solidFill>
-                  <a:srgbClr val="000000"/>
-                </a:solidFill>
-                <a:effectLst/>
-                <a:latin typeface="+mj-lt"/>
-                <a:ea typeface="Times New Roman" panose="02020603050405020304" pitchFamily="18" charset="0"/>
-              </a:rPr>
-              <a:t> </a:t>
-            </a:r>
-            <a:r>
-              <a:rPr lang="en-US" sz="2200" dirty="0" err="1">
-                <a:solidFill>
-                  <a:srgbClr val="000000"/>
-                </a:solidFill>
-                <a:effectLst/>
-                <a:latin typeface="+mj-lt"/>
-                <a:ea typeface="Times New Roman" panose="02020603050405020304" pitchFamily="18" charset="0"/>
-              </a:rPr>
-              <a:t>lệ</a:t>
-            </a:r>
-            <a:r>
-              <a:rPr lang="en-US" sz="2200" dirty="0">
-                <a:solidFill>
-                  <a:srgbClr val="000000"/>
-                </a:solidFill>
-                <a:effectLst/>
-                <a:latin typeface="+mj-lt"/>
-                <a:ea typeface="Times New Roman" panose="02020603050405020304" pitchFamily="18" charset="0"/>
-              </a:rPr>
-              <a:t> </a:t>
-            </a:r>
-            <a:r>
-              <a:rPr lang="en-US" sz="2200" dirty="0" err="1">
-                <a:solidFill>
-                  <a:srgbClr val="000000"/>
-                </a:solidFill>
-                <a:effectLst/>
-                <a:latin typeface="+mj-lt"/>
-                <a:ea typeface="Times New Roman" panose="02020603050405020304" pitchFamily="18" charset="0"/>
-              </a:rPr>
-              <a:t>tử</a:t>
-            </a:r>
-            <a:r>
-              <a:rPr lang="en-US" sz="2200" dirty="0">
-                <a:solidFill>
-                  <a:srgbClr val="000000"/>
-                </a:solidFill>
-                <a:effectLst/>
-                <a:latin typeface="+mj-lt"/>
-                <a:ea typeface="Times New Roman" panose="02020603050405020304" pitchFamily="18" charset="0"/>
-              </a:rPr>
-              <a:t> </a:t>
-            </a:r>
-            <a:r>
-              <a:rPr lang="en-US" sz="2200" dirty="0" err="1">
-                <a:solidFill>
-                  <a:srgbClr val="000000"/>
-                </a:solidFill>
-                <a:effectLst/>
-                <a:latin typeface="+mj-lt"/>
-                <a:ea typeface="Times New Roman" panose="02020603050405020304" pitchFamily="18" charset="0"/>
-              </a:rPr>
-              <a:t>vong</a:t>
-            </a:r>
-            <a:r>
-              <a:rPr lang="en-US" sz="2200" dirty="0">
-                <a:solidFill>
-                  <a:srgbClr val="000000"/>
-                </a:solidFill>
-                <a:effectLst/>
-                <a:latin typeface="+mj-lt"/>
-                <a:ea typeface="Times New Roman" panose="02020603050405020304" pitchFamily="18" charset="0"/>
-              </a:rPr>
-              <a:t> </a:t>
             </a:r>
             <a:r>
               <a:rPr lang="en-US" sz="2200" dirty="0" err="1">
@@ -26138,7 +26115,7 @@
             </a:r>
             <a:r>
               <a:rPr lang="en-US" sz="2400" dirty="0"/>
-              <a:t>:</a:t>
+              <a:t>: 1,2,3  	4  	5,6 	7,8,9,10</a:t>
             </a:r>
           </a:p>
           <a:p>
@@ -26152,7 +26129,7 @@
             </a:r>
             <a:r>
               <a:rPr lang="en-US" sz="2400" dirty="0"/>
-              <a:t>: </a:t>
+              <a:t>: 1,2,3 </a:t>
             </a:r>
           </a:p>
           <a:p>
@@ -26166,7 +26143,7 @@
             </a:r>
             <a:r>
               <a:rPr lang="en-US" sz="2400" dirty="0"/>
-              <a:t>: </a:t>
+              <a:t>: 7,8,9,10</a:t>
             </a:r>
           </a:p>
           <a:p>
@@ -26180,7 +26157,7 @@
             </a:r>
             <a:r>
               <a:rPr lang="en-US" sz="2400" dirty="0"/>
-              <a:t>: </a:t>
+              <a:t>: 4</a:t>
             </a:r>
           </a:p>
           <a:p>
@@ -26190,7 +26167,7 @@
             </a:pPr>
             <a:r>
               <a:rPr lang="en-US" sz="2400" dirty="0"/>
-              <a:t>Sơn: </a:t>
+              <a:t>Sơn: 5,6</a:t>
             </a:r>
           </a:p>
           <a:p>
@@ -30106,23 +30083,6 @@
 </file>
 
 <file path=customXml/item1.xml><?xml version="1.0" encoding="utf-8"?>
-<p:properties xmlns:p="http://schemas.microsoft.com/office/2006/metadata/properties" xmlns:xsi="http://www.w3.org/2001/XMLSchema-instance" xmlns:pc="http://schemas.microsoft.com/office/infopath/2007/PartnerControls">
-  <documentManagement>
-    <MediaServiceKeyPoints xmlns="71af3243-3dd4-4a8d-8c0d-dd76da1f02a5" xsi:nil="true"/>
-  </documentManagement>
-</p:properties>
-</file>
-
-<file path=customXml/item2.xml><?xml version="1.0" encoding="utf-8"?>
-<?mso-contentType ?>
-<FormTemplates xmlns="http://schemas.microsoft.com/sharepoint/v3/contenttype/forms">
-  <Display>DocumentLibraryForm</Display>
-  <Edit>DocumentLibraryForm</Edit>
-  <New>DocumentLibraryForm</New>
-</FormTemplates>
-</file>
-
-<file path=customXml/item3.xml><?xml version="1.0" encoding="utf-8"?>
 <ct:contentTypeSchema xmlns:ct="http://schemas.microsoft.com/office/2006/metadata/contentType" xmlns:ma="http://schemas.microsoft.com/office/2006/metadata/properties/metaAttributes" ct:_="" ma:_="" ma:contentTypeName="Document" ma:contentTypeID="0x01010079F111ED35F8CC479449609E8A0923A6" ma:contentTypeVersion="11" ma:contentTypeDescription="Create a new document." ma:contentTypeScope="" ma:versionID="96291512c1ee715ab617f4c07df79fc1">
   <xsd:schema xmlns:xsd="http://www.w3.org/2001/XMLSchema" xmlns:xs="http://www.w3.org/2001/XMLSchema" xmlns:p="http://schemas.microsoft.com/office/2006/metadata/properties" xmlns:ns2="71af3243-3dd4-4a8d-8c0d-dd76da1f02a5" xmlns:ns3="16c05727-aa75-4e4a-9b5f-8a80a1165891" targetNamespace="http://schemas.microsoft.com/office/2006/metadata/properties" ma:root="true" ma:fieldsID="8256c27c40ca5c40ce1cf6c44f0205df" ns2:_="" ns3:_="">
     <xsd:import namespace="71af3243-3dd4-4a8d-8c0d-dd76da1f02a5"/>
@@ -30333,25 +30293,24 @@
 </ct:contentTypeSchema>
 </file>
 
-<file path=customXml/itemProps1.xml><?xml version="1.0" encoding="utf-8"?>
-<ds:datastoreItem xmlns:ds="http://schemas.openxmlformats.org/officeDocument/2006/customXml" ds:itemID="{DCB47EFB-BDBB-4CE5-A848-1507BE3B7989}">
-  <ds:schemaRefs>
-    <ds:schemaRef ds:uri="http://schemas.microsoft.com/office/2006/metadata/properties"/>
-    <ds:schemaRef ds:uri="http://schemas.microsoft.com/office/infopath/2007/PartnerControls"/>
-    <ds:schemaRef ds:uri="71af3243-3dd4-4a8d-8c0d-dd76da1f02a5"/>
-  </ds:schemaRefs>
-</ds:datastoreItem>
+<file path=customXml/item2.xml><?xml version="1.0" encoding="utf-8"?>
+<p:properties xmlns:p="http://schemas.microsoft.com/office/2006/metadata/properties" xmlns:xsi="http://www.w3.org/2001/XMLSchema-instance" xmlns:pc="http://schemas.microsoft.com/office/infopath/2007/PartnerControls">
+  <documentManagement>
+    <MediaServiceKeyPoints xmlns="71af3243-3dd4-4a8d-8c0d-dd76da1f02a5" xsi:nil="true"/>
+  </documentManagement>
+</p:properties>
 </file>
 
-<file path=customXml/itemProps2.xml><?xml version="1.0" encoding="utf-8"?>
-<ds:datastoreItem xmlns:ds="http://schemas.openxmlformats.org/officeDocument/2006/customXml" ds:itemID="{3DC31EBE-A492-4CE5-9650-1E2C8FDDD7CE}">
-  <ds:schemaRefs>
-    <ds:schemaRef ds:uri="http://schemas.microsoft.com/sharepoint/v3/contenttype/forms"/>
-  </ds:schemaRefs>
-</ds:datastoreItem>
+<file path=customXml/item3.xml><?xml version="1.0" encoding="utf-8"?>
+<?mso-contentType ?>
+<FormTemplates xmlns="http://schemas.microsoft.com/sharepoint/v3/contenttype/forms">
+  <Display>DocumentLibraryForm</Display>
+  <Edit>DocumentLibraryForm</Edit>
+  <New>DocumentLibraryForm</New>
+</FormTemplates>
 </file>
 
-<file path=customXml/itemProps3.xml><?xml version="1.0" encoding="utf-8"?>
+<file path=customXml/itemProps1.xml><?xml version="1.0" encoding="utf-8"?>
 <ds:datastoreItem xmlns:ds="http://schemas.openxmlformats.org/officeDocument/2006/customXml" ds:itemID="{B1AD0D4C-03C4-489C-932A-66E2D74FA6D5}">
   <ds:schemaRefs>
     <ds:schemaRef ds:uri="http://schemas.microsoft.com/office/2006/metadata/contentType"/>
@@ -30368,4 +30327,22 @@
     <ds:schemaRef ds:uri="http://schemas.microsoft.com/internal/obd"/>
   </ds:schemaRefs>
 </ds:datastoreItem>
+</file>
+
+<file path=customXml/itemProps2.xml><?xml version="1.0" encoding="utf-8"?>
+<ds:datastoreItem xmlns:ds="http://schemas.openxmlformats.org/officeDocument/2006/customXml" ds:itemID="{DCB47EFB-BDBB-4CE5-A848-1507BE3B7989}">
+  <ds:schemaRefs>
+    <ds:schemaRef ds:uri="http://schemas.microsoft.com/office/2006/metadata/properties"/>
+    <ds:schemaRef ds:uri="http://schemas.microsoft.com/office/infopath/2007/PartnerControls"/>
+    <ds:schemaRef ds:uri="71af3243-3dd4-4a8d-8c0d-dd76da1f02a5"/>
+  </ds:schemaRefs>
+</ds:datastoreItem>
+</file>
+
+<file path=customXml/itemProps3.xml><?xml version="1.0" encoding="utf-8"?>
+<ds:datastoreItem xmlns:ds="http://schemas.openxmlformats.org/officeDocument/2006/customXml" ds:itemID="{3DC31EBE-A492-4CE5-9650-1E2C8FDDD7CE}">
+  <ds:schemaRefs>
+    <ds:schemaRef ds:uri="http://schemas.microsoft.com/sharepoint/v3/contenttype/forms"/>
+  </ds:schemaRefs>
+</ds:datastoreItem>
 </file>